--- a/Presentations/Rothermel_presentation.pptx
+++ b/Presentations/Rothermel_presentation.pptx
@@ -11,6 +11,9 @@
     <p:sldId id="259" r:id="rId5"/>
     <p:sldId id="260" r:id="rId6"/>
     <p:sldId id="261" r:id="rId7"/>
+    <p:sldId id="262" r:id="rId8"/>
+    <p:sldId id="263" r:id="rId9"/>
+    <p:sldId id="264" r:id="rId10"/>
   </p:sldIdLst>
   <p:sldSz cx="12192000" cy="6858000"/>
   <p:notesSz cx="6858000" cy="9144000"/>
@@ -109,6 +112,11 @@
       </a:defRPr>
     </a:lvl9pPr>
   </p:defaultTextStyle>
+  <p:extLst>
+    <p:ext uri="{EFAFB233-063F-42B5-8137-9DF3F51BA10A}">
+      <p15:sldGuideLst xmlns:p15="http://schemas.microsoft.com/office/powerpoint/2012/main"/>
+    </p:ext>
+  </p:extLst>
 </p:presentation>
 </file>
 
@@ -282,7 +290,7 @@
           <a:p>
             <a:fld id="{EE507381-CC29-0A4E-B037-EBB72B273A67}" type="datetimeFigureOut">
               <a:rPr lang="en-US" smtClean="0"/>
-              <a:t>9/13/22</a:t>
+              <a:t>9/14/22</a:t>
             </a:fld>
             <a:endParaRPr lang="en-US"/>
           </a:p>
@@ -549,7 +557,7 @@
           <a:p>
             <a:fld id="{EE507381-CC29-0A4E-B037-EBB72B273A67}" type="datetimeFigureOut">
               <a:rPr lang="en-US" smtClean="0"/>
-              <a:t>9/13/22</a:t>
+              <a:t>9/14/22</a:t>
             </a:fld>
             <a:endParaRPr lang="en-US"/>
           </a:p>
@@ -780,7 +788,7 @@
           <a:p>
             <a:fld id="{EE507381-CC29-0A4E-B037-EBB72B273A67}" type="datetimeFigureOut">
               <a:rPr lang="en-US" smtClean="0"/>
-              <a:t>9/13/22</a:t>
+              <a:t>9/14/22</a:t>
             </a:fld>
             <a:endParaRPr lang="en-US"/>
           </a:p>
@@ -1090,7 +1098,7 @@
           <a:p>
             <a:fld id="{EE507381-CC29-0A4E-B037-EBB72B273A67}" type="datetimeFigureOut">
               <a:rPr lang="en-US" smtClean="0"/>
-              <a:t>9/13/22</a:t>
+              <a:t>9/14/22</a:t>
             </a:fld>
             <a:endParaRPr lang="en-US"/>
           </a:p>
@@ -1563,7 +1571,7 @@
           <a:p>
             <a:fld id="{EE507381-CC29-0A4E-B037-EBB72B273A67}" type="datetimeFigureOut">
               <a:rPr lang="en-US" smtClean="0"/>
-              <a:t>9/13/22</a:t>
+              <a:t>9/14/22</a:t>
             </a:fld>
             <a:endParaRPr lang="en-US"/>
           </a:p>
@@ -2110,7 +2118,7 @@
           <a:p>
             <a:fld id="{EE507381-CC29-0A4E-B037-EBB72B273A67}" type="datetimeFigureOut">
               <a:rPr lang="en-US" smtClean="0"/>
-              <a:t>9/13/22</a:t>
+              <a:t>9/14/22</a:t>
             </a:fld>
             <a:endParaRPr lang="en-US"/>
           </a:p>
@@ -2884,7 +2892,7 @@
           <a:p>
             <a:fld id="{EE507381-CC29-0A4E-B037-EBB72B273A67}" type="datetimeFigureOut">
               <a:rPr lang="en-US" smtClean="0"/>
-              <a:t>9/13/22</a:t>
+              <a:t>9/14/22</a:t>
             </a:fld>
             <a:endParaRPr lang="en-US"/>
           </a:p>
@@ -3059,7 +3067,7 @@
           <a:p>
             <a:fld id="{EE507381-CC29-0A4E-B037-EBB72B273A67}" type="datetimeFigureOut">
               <a:rPr lang="en-US" smtClean="0"/>
-              <a:t>9/13/22</a:t>
+              <a:t>9/14/22</a:t>
             </a:fld>
             <a:endParaRPr lang="en-US"/>
           </a:p>
@@ -3282,7 +3290,7 @@
           <a:p>
             <a:fld id="{EE507381-CC29-0A4E-B037-EBB72B273A67}" type="datetimeFigureOut">
               <a:rPr lang="en-US" smtClean="0"/>
-              <a:t>9/13/22</a:t>
+              <a:t>9/14/22</a:t>
             </a:fld>
             <a:endParaRPr lang="en-US"/>
           </a:p>
@@ -3462,7 +3470,7 @@
           <a:p>
             <a:fld id="{EE507381-CC29-0A4E-B037-EBB72B273A67}" type="datetimeFigureOut">
               <a:rPr lang="en-US" smtClean="0"/>
-              <a:t>9/13/22</a:t>
+              <a:t>9/14/22</a:t>
             </a:fld>
             <a:endParaRPr lang="en-US"/>
           </a:p>
@@ -3751,7 +3759,7 @@
           <a:p>
             <a:fld id="{EE507381-CC29-0A4E-B037-EBB72B273A67}" type="datetimeFigureOut">
               <a:rPr lang="en-US" smtClean="0"/>
-              <a:t>9/13/22</a:t>
+              <a:t>9/14/22</a:t>
             </a:fld>
             <a:endParaRPr lang="en-US"/>
           </a:p>
@@ -3993,7 +4001,7 @@
           <a:p>
             <a:fld id="{EE507381-CC29-0A4E-B037-EBB72B273A67}" type="datetimeFigureOut">
               <a:rPr lang="en-US" smtClean="0"/>
-              <a:t>9/13/22</a:t>
+              <a:t>9/14/22</a:t>
             </a:fld>
             <a:endParaRPr lang="en-US"/>
           </a:p>
@@ -4372,7 +4380,7 @@
           <a:p>
             <a:fld id="{EE507381-CC29-0A4E-B037-EBB72B273A67}" type="datetimeFigureOut">
               <a:rPr lang="en-US" smtClean="0"/>
-              <a:t>9/13/22</a:t>
+              <a:t>9/14/22</a:t>
             </a:fld>
             <a:endParaRPr lang="en-US"/>
           </a:p>
@@ -4490,7 +4498,7 @@
           <a:p>
             <a:fld id="{EE507381-CC29-0A4E-B037-EBB72B273A67}" type="datetimeFigureOut">
               <a:rPr lang="en-US" smtClean="0"/>
-              <a:t>9/13/22</a:t>
+              <a:t>9/14/22</a:t>
             </a:fld>
             <a:endParaRPr lang="en-US"/>
           </a:p>
@@ -4585,7 +4593,7 @@
           <a:p>
             <a:fld id="{EE507381-CC29-0A4E-B037-EBB72B273A67}" type="datetimeFigureOut">
               <a:rPr lang="en-US" smtClean="0"/>
-              <a:t>9/13/22</a:t>
+              <a:t>9/14/22</a:t>
             </a:fld>
             <a:endParaRPr lang="en-US"/>
           </a:p>
@@ -4834,7 +4842,7 @@
           <a:p>
             <a:fld id="{EE507381-CC29-0A4E-B037-EBB72B273A67}" type="datetimeFigureOut">
               <a:rPr lang="en-US" smtClean="0"/>
-              <a:t>9/13/22</a:t>
+              <a:t>9/14/22</a:t>
             </a:fld>
             <a:endParaRPr lang="en-US"/>
           </a:p>
@@ -5091,7 +5099,7 @@
           <a:p>
             <a:fld id="{EE507381-CC29-0A4E-B037-EBB72B273A67}" type="datetimeFigureOut">
               <a:rPr lang="en-US" smtClean="0"/>
-              <a:t>9/13/22</a:t>
+              <a:t>9/14/22</a:t>
             </a:fld>
             <a:endParaRPr lang="en-US"/>
           </a:p>
@@ -5334,7 +5342,7 @@
           <a:p>
             <a:fld id="{EE507381-CC29-0A4E-B037-EBB72B273A67}" type="datetimeFigureOut">
               <a:rPr lang="en-US" smtClean="0"/>
-              <a:t>9/13/22</a:t>
+              <a:t>9/14/22</a:t>
             </a:fld>
             <a:endParaRPr lang="en-US"/>
           </a:p>
@@ -6510,6 +6518,465 @@
 </p:sld>
 </file>
 
+<file path=ppt/slides/slide7.xml><?xml version="1.0" encoding="utf-8"?>
+<p:sld xmlns:a="http://schemas.openxmlformats.org/drawingml/2006/main" xmlns:r="http://schemas.openxmlformats.org/officeDocument/2006/relationships" xmlns:p="http://schemas.openxmlformats.org/presentationml/2006/main">
+  <p:cSld>
+    <p:spTree>
+      <p:nvGrpSpPr>
+        <p:cNvPr id="1" name=""/>
+        <p:cNvGrpSpPr/>
+        <p:nvPr/>
+      </p:nvGrpSpPr>
+      <p:grpSpPr>
+        <a:xfrm>
+          <a:off x="0" y="0"/>
+          <a:ext cx="0" cy="0"/>
+          <a:chOff x="0" y="0"/>
+          <a:chExt cx="0" cy="0"/>
+        </a:xfrm>
+      </p:grpSpPr>
+      <p:sp>
+        <p:nvSpPr>
+          <p:cNvPr id="2" name="Title 1">
+            <a:extLst>
+              <a:ext uri="{FF2B5EF4-FFF2-40B4-BE49-F238E27FC236}">
+                <a16:creationId xmlns:a16="http://schemas.microsoft.com/office/drawing/2014/main" id="{CA44F06E-C04C-0B52-3997-C6D6013ECA6E}"/>
+              </a:ext>
+            </a:extLst>
+          </p:cNvPr>
+          <p:cNvSpPr>
+            <a:spLocks noGrp="1"/>
+          </p:cNvSpPr>
+          <p:nvPr>
+            <p:ph type="title"/>
+          </p:nvPr>
+        </p:nvSpPr>
+        <p:spPr/>
+        <p:txBody>
+          <a:bodyPr/>
+          <a:lstStyle/>
+          <a:p>
+            <a:r>
+              <a:rPr lang="en-US" dirty="0"/>
+              <a:t>Section 3</a:t>
+            </a:r>
+          </a:p>
+        </p:txBody>
+      </p:sp>
+      <p:sp>
+        <p:nvSpPr>
+          <p:cNvPr id="3" name="Content Placeholder 2">
+            <a:extLst>
+              <a:ext uri="{FF2B5EF4-FFF2-40B4-BE49-F238E27FC236}">
+                <a16:creationId xmlns:a16="http://schemas.microsoft.com/office/drawing/2014/main" id="{2C8C8F7F-F9BB-34E3-B604-779BA391DEFA}"/>
+              </a:ext>
+            </a:extLst>
+          </p:cNvPr>
+          <p:cNvSpPr>
+            <a:spLocks noGrp="1"/>
+          </p:cNvSpPr>
+          <p:nvPr>
+            <p:ph idx="1"/>
+          </p:nvPr>
+        </p:nvSpPr>
+        <p:spPr/>
+        <p:txBody>
+          <a:bodyPr/>
+          <a:lstStyle/>
+          <a:p>
+            <a:r>
+              <a:rPr lang="en-US" dirty="0"/>
+              <a:t>The final ROS equation is heat source divided by heat sink and applies to one size class of dead fuel</a:t>
+            </a:r>
+          </a:p>
+          <a:p>
+            <a:endParaRPr lang="en-US" dirty="0"/>
+          </a:p>
+        </p:txBody>
+      </p:sp>
+      <p:pic>
+        <p:nvPicPr>
+          <p:cNvPr id="4" name="Picture 3">
+            <a:extLst>
+              <a:ext uri="{FF2B5EF4-FFF2-40B4-BE49-F238E27FC236}">
+                <a16:creationId xmlns:a16="http://schemas.microsoft.com/office/drawing/2014/main" id="{8F73BE1C-91E5-D595-4013-93ECE563DC2C}"/>
+              </a:ext>
+            </a:extLst>
+          </p:cNvPr>
+          <p:cNvPicPr>
+            <a:picLocks noChangeAspect="1"/>
+          </p:cNvPicPr>
+          <p:nvPr/>
+        </p:nvPicPr>
+        <p:blipFill>
+          <a:blip r:embed="rId2"/>
+          <a:stretch>
+            <a:fillRect/>
+          </a:stretch>
+        </p:blipFill>
+        <p:spPr>
+          <a:xfrm>
+            <a:off x="685800" y="3003550"/>
+            <a:ext cx="2235200" cy="850900"/>
+          </a:xfrm>
+          <a:prstGeom prst="rect">
+            <a:avLst/>
+          </a:prstGeom>
+        </p:spPr>
+      </p:pic>
+      <p:pic>
+        <p:nvPicPr>
+          <p:cNvPr id="6" name="Picture 5">
+            <a:extLst>
+              <a:ext uri="{FF2B5EF4-FFF2-40B4-BE49-F238E27FC236}">
+                <a16:creationId xmlns:a16="http://schemas.microsoft.com/office/drawing/2014/main" id="{1FC4DE19-3ADD-FDE6-B87E-CF9935C8D313}"/>
+              </a:ext>
+            </a:extLst>
+          </p:cNvPr>
+          <p:cNvPicPr>
+            <a:picLocks noChangeAspect="1"/>
+          </p:cNvPicPr>
+          <p:nvPr/>
+        </p:nvPicPr>
+        <p:blipFill>
+          <a:blip r:embed="rId3"/>
+          <a:stretch>
+            <a:fillRect/>
+          </a:stretch>
+        </p:blipFill>
+        <p:spPr>
+          <a:xfrm>
+            <a:off x="7515982" y="3145472"/>
+            <a:ext cx="4676018" cy="3712528"/>
+          </a:xfrm>
+          <a:prstGeom prst="rect">
+            <a:avLst/>
+          </a:prstGeom>
+        </p:spPr>
+      </p:pic>
+    </p:spTree>
+    <p:extLst>
+      <p:ext uri="{BB962C8B-B14F-4D97-AF65-F5344CB8AC3E}">
+        <p14:creationId xmlns:p14="http://schemas.microsoft.com/office/powerpoint/2010/main" val="402460391"/>
+      </p:ext>
+    </p:extLst>
+  </p:cSld>
+  <p:clrMapOvr>
+    <a:masterClrMapping/>
+  </p:clrMapOvr>
+</p:sld>
+</file>
+
+<file path=ppt/slides/slide8.xml><?xml version="1.0" encoding="utf-8"?>
+<p:sld xmlns:a="http://schemas.openxmlformats.org/drawingml/2006/main" xmlns:r="http://schemas.openxmlformats.org/officeDocument/2006/relationships" xmlns:p="http://schemas.openxmlformats.org/presentationml/2006/main">
+  <p:cSld>
+    <p:spTree>
+      <p:nvGrpSpPr>
+        <p:cNvPr id="1" name=""/>
+        <p:cNvGrpSpPr/>
+        <p:nvPr/>
+      </p:nvGrpSpPr>
+      <p:grpSpPr>
+        <a:xfrm>
+          <a:off x="0" y="0"/>
+          <a:ext cx="0" cy="0"/>
+          <a:chOff x="0" y="0"/>
+          <a:chExt cx="0" cy="0"/>
+        </a:xfrm>
+      </p:grpSpPr>
+      <p:sp>
+        <p:nvSpPr>
+          <p:cNvPr id="2" name="Title 1">
+            <a:extLst>
+              <a:ext uri="{FF2B5EF4-FFF2-40B4-BE49-F238E27FC236}">
+                <a16:creationId xmlns:a16="http://schemas.microsoft.com/office/drawing/2014/main" id="{DF32A1FF-0195-988F-6E01-9619BEBEE66B}"/>
+              </a:ext>
+            </a:extLst>
+          </p:cNvPr>
+          <p:cNvSpPr>
+            <a:spLocks noGrp="1"/>
+          </p:cNvSpPr>
+          <p:nvPr>
+            <p:ph type="title"/>
+          </p:nvPr>
+        </p:nvSpPr>
+        <p:spPr/>
+        <p:txBody>
+          <a:bodyPr/>
+          <a:lstStyle/>
+          <a:p>
+            <a:r>
+              <a:rPr lang="en-US" dirty="0"/>
+              <a:t>Section 3</a:t>
+            </a:r>
+          </a:p>
+        </p:txBody>
+      </p:sp>
+      <p:sp>
+        <p:nvSpPr>
+          <p:cNvPr id="3" name="Content Placeholder 2">
+            <a:extLst>
+              <a:ext uri="{FF2B5EF4-FFF2-40B4-BE49-F238E27FC236}">
+                <a16:creationId xmlns:a16="http://schemas.microsoft.com/office/drawing/2014/main" id="{7E261FB1-6D28-E6D5-32B5-B6AF45D82316}"/>
+              </a:ext>
+            </a:extLst>
+          </p:cNvPr>
+          <p:cNvSpPr>
+            <a:spLocks noGrp="1"/>
+          </p:cNvSpPr>
+          <p:nvPr>
+            <p:ph idx="1"/>
+          </p:nvPr>
+        </p:nvSpPr>
+        <p:spPr/>
+        <p:txBody>
+          <a:bodyPr>
+            <a:normAutofit lnSpcReduction="10000"/>
+          </a:bodyPr>
+          <a:lstStyle/>
+          <a:p>
+            <a:r>
+              <a:rPr lang="en-US" dirty="0"/>
+              <a:t>The model was designed so that the ROS can be calculated from conditions that can be known before the fire</a:t>
+            </a:r>
+          </a:p>
+          <a:p>
+            <a:r>
+              <a:rPr lang="en-US" dirty="0"/>
+              <a:t>The equations for the basic fire spread model in table 3 apply to a single size class of dead fuel</a:t>
+            </a:r>
+          </a:p>
+          <a:p>
+            <a:r>
+              <a:rPr lang="en-US" dirty="0"/>
+              <a:t>This isn’t useful however since it can’t be applied to a field, so it was modified to fit fuels composed of heterogeneous mixtures of particle sizes and equations and a weighting concept which are based on mathematical data</a:t>
+            </a:r>
+          </a:p>
+          <a:p>
+            <a:r>
+              <a:rPr lang="en-US" dirty="0"/>
+              <a:t>The model assumes that live fuel will burn only if dead fuel is present</a:t>
+            </a:r>
+          </a:p>
+          <a:p>
+            <a:r>
+              <a:rPr lang="en-US" dirty="0"/>
+              <a:t>The live fuel moisture of extinction calculation used by </a:t>
+            </a:r>
+            <a:r>
+              <a:rPr lang="en-US" dirty="0" err="1"/>
+              <a:t>Rothermel</a:t>
+            </a:r>
+            <a:r>
+              <a:rPr lang="en-US" dirty="0"/>
+              <a:t> was provided by </a:t>
+            </a:r>
+            <a:r>
+              <a:rPr lang="en-US" dirty="0" err="1"/>
+              <a:t>Fosberg</a:t>
+            </a:r>
+            <a:r>
+              <a:rPr lang="en-US" dirty="0"/>
+              <a:t> and Schroeder. It is based on the ratio of live-to-dead fuels, the </a:t>
+            </a:r>
+            <a:r>
+              <a:rPr lang="en-US" dirty="0" err="1"/>
+              <a:t>mopisture</a:t>
+            </a:r>
+            <a:r>
+              <a:rPr lang="en-US" dirty="0"/>
+              <a:t> of fine dead fuels, and dead fuel moisture of extinction</a:t>
+            </a:r>
+          </a:p>
+        </p:txBody>
+      </p:sp>
+    </p:spTree>
+    <p:extLst>
+      <p:ext uri="{BB962C8B-B14F-4D97-AF65-F5344CB8AC3E}">
+        <p14:creationId xmlns:p14="http://schemas.microsoft.com/office/powerpoint/2010/main" val="2444321230"/>
+      </p:ext>
+    </p:extLst>
+  </p:cSld>
+  <p:clrMapOvr>
+    <a:masterClrMapping/>
+  </p:clrMapOvr>
+</p:sld>
+</file>
+
+<file path=ppt/slides/slide9.xml><?xml version="1.0" encoding="utf-8"?>
+<p:sld xmlns:a="http://schemas.openxmlformats.org/drawingml/2006/main" xmlns:r="http://schemas.openxmlformats.org/officeDocument/2006/relationships" xmlns:p="http://schemas.openxmlformats.org/presentationml/2006/main">
+  <p:cSld>
+    <p:spTree>
+      <p:nvGrpSpPr>
+        <p:cNvPr id="1" name=""/>
+        <p:cNvGrpSpPr/>
+        <p:nvPr/>
+      </p:nvGrpSpPr>
+      <p:grpSpPr>
+        <a:xfrm>
+          <a:off x="0" y="0"/>
+          <a:ext cx="0" cy="0"/>
+          <a:chOff x="0" y="0"/>
+          <a:chExt cx="0" cy="0"/>
+        </a:xfrm>
+      </p:grpSpPr>
+      <p:sp>
+        <p:nvSpPr>
+          <p:cNvPr id="2" name="Title 1">
+            <a:extLst>
+              <a:ext uri="{FF2B5EF4-FFF2-40B4-BE49-F238E27FC236}">
+                <a16:creationId xmlns:a16="http://schemas.microsoft.com/office/drawing/2014/main" id="{09B69A6A-AC8B-BB87-D5C6-3625F89D9574}"/>
+              </a:ext>
+            </a:extLst>
+          </p:cNvPr>
+          <p:cNvSpPr>
+            <a:spLocks noGrp="1"/>
+          </p:cNvSpPr>
+          <p:nvPr>
+            <p:ph type="title"/>
+          </p:nvPr>
+        </p:nvSpPr>
+        <p:spPr/>
+        <p:txBody>
+          <a:bodyPr/>
+          <a:lstStyle/>
+          <a:p>
+            <a:r>
+              <a:rPr lang="en-US" dirty="0"/>
+              <a:t>Section 3</a:t>
+            </a:r>
+          </a:p>
+        </p:txBody>
+      </p:sp>
+      <p:pic>
+        <p:nvPicPr>
+          <p:cNvPr id="7" name="Content Placeholder 6">
+            <a:extLst>
+              <a:ext uri="{FF2B5EF4-FFF2-40B4-BE49-F238E27FC236}">
+                <a16:creationId xmlns:a16="http://schemas.microsoft.com/office/drawing/2014/main" id="{35B04A91-9652-4167-1D66-67F573A5BF42}"/>
+              </a:ext>
+            </a:extLst>
+          </p:cNvPr>
+          <p:cNvPicPr>
+            <a:picLocks noGrp="1" noChangeAspect="1"/>
+          </p:cNvPicPr>
+          <p:nvPr>
+            <p:ph idx="1"/>
+          </p:nvPr>
+        </p:nvPicPr>
+        <p:blipFill>
+          <a:blip r:embed="rId2"/>
+          <a:stretch>
+            <a:fillRect/>
+          </a:stretch>
+        </p:blipFill>
+        <p:spPr>
+          <a:xfrm>
+            <a:off x="16933" y="4165600"/>
+            <a:ext cx="4305300" cy="2692400"/>
+          </a:xfrm>
+          <a:prstGeom prst="rect">
+            <a:avLst/>
+          </a:prstGeom>
+        </p:spPr>
+      </p:pic>
+      <p:sp>
+        <p:nvSpPr>
+          <p:cNvPr id="8" name="TextBox 7">
+            <a:extLst>
+              <a:ext uri="{FF2B5EF4-FFF2-40B4-BE49-F238E27FC236}">
+                <a16:creationId xmlns:a16="http://schemas.microsoft.com/office/drawing/2014/main" id="{28C34376-4190-372C-1CBF-CA3F209998D6}"/>
+              </a:ext>
+            </a:extLst>
+          </p:cNvPr>
+          <p:cNvSpPr txBox="1"/>
+          <p:nvPr/>
+        </p:nvSpPr>
+        <p:spPr>
+          <a:xfrm>
+            <a:off x="4353339" y="2842591"/>
+            <a:ext cx="184731" cy="369332"/>
+          </a:xfrm>
+          <a:prstGeom prst="rect">
+            <a:avLst/>
+          </a:prstGeom>
+          <a:noFill/>
+        </p:spPr>
+        <p:txBody>
+          <a:bodyPr wrap="none" rtlCol="0">
+            <a:spAutoFit/>
+          </a:bodyPr>
+          <a:lstStyle/>
+          <a:p>
+            <a:endParaRPr lang="en-US" dirty="0"/>
+          </a:p>
+        </p:txBody>
+      </p:sp>
+      <p:sp>
+        <p:nvSpPr>
+          <p:cNvPr id="9" name="TextBox 8">
+            <a:extLst>
+              <a:ext uri="{FF2B5EF4-FFF2-40B4-BE49-F238E27FC236}">
+                <a16:creationId xmlns:a16="http://schemas.microsoft.com/office/drawing/2014/main" id="{81EA0A5B-6187-F4A4-620D-D5970208774F}"/>
+              </a:ext>
+            </a:extLst>
+          </p:cNvPr>
+          <p:cNvSpPr txBox="1"/>
+          <p:nvPr/>
+        </p:nvSpPr>
+        <p:spPr>
+          <a:xfrm>
+            <a:off x="755374" y="2692400"/>
+            <a:ext cx="7971183" cy="1200329"/>
+          </a:xfrm>
+          <a:prstGeom prst="rect">
+            <a:avLst/>
+          </a:prstGeom>
+          <a:noFill/>
+        </p:spPr>
+        <p:txBody>
+          <a:bodyPr wrap="square" rtlCol="0">
+            <a:spAutoFit/>
+          </a:bodyPr>
+          <a:lstStyle/>
+          <a:p>
+            <a:r>
+              <a:rPr lang="en-US" dirty="0"/>
+              <a:t>Various size fuels are assumed to be uniformly distributed within the fuel array</a:t>
+            </a:r>
+          </a:p>
+          <a:p>
+            <a:r>
+              <a:rPr lang="en-US" dirty="0"/>
+              <a:t>Larger fuels have a negligible effect on fire spread</a:t>
+            </a:r>
+          </a:p>
+          <a:p>
+            <a:r>
+              <a:rPr lang="en-US" dirty="0"/>
+              <a:t>The spread model uses weighting factors </a:t>
+            </a:r>
+            <a:r>
+              <a:rPr lang="en-US"/>
+              <a:t>for the fuel</a:t>
+            </a:r>
+            <a:endParaRPr lang="en-US" dirty="0"/>
+          </a:p>
+        </p:txBody>
+      </p:sp>
+    </p:spTree>
+    <p:extLst>
+      <p:ext uri="{BB962C8B-B14F-4D97-AF65-F5344CB8AC3E}">
+        <p14:creationId xmlns:p14="http://schemas.microsoft.com/office/powerpoint/2010/main" val="1591971705"/>
+      </p:ext>
+    </p:extLst>
+  </p:cSld>
+  <p:clrMapOvr>
+    <a:masterClrMapping/>
+  </p:clrMapOvr>
+</p:sld>
+</file>
+
 <file path=ppt/theme/theme1.xml><?xml version="1.0" encoding="utf-8"?>
 <a:theme xmlns:a="http://schemas.openxmlformats.org/drawingml/2006/main" name="Vapor Trail">
   <a:themeElements>
